--- a/Cloud Final Presentation.pptx
+++ b/Cloud Final Presentation.pptx
@@ -34,23 +34,24 @@
     <p:sldId id="279" r:id="rId29"/>
     <p:sldId id="280" r:id="rId30"/>
     <p:sldId id="281" r:id="rId31"/>
+    <p:sldId id="282" r:id="rId32"/>
   </p:sldIdLst>
   <p:sldSz cy="5143500" cx="9144000"/>
   <p:notesSz cx="6858000" cy="9144000"/>
   <p:embeddedFontLst>
     <p:embeddedFont>
       <p:font typeface="Montserrat"/>
-      <p:regular r:id="rId32"/>
-      <p:bold r:id="rId33"/>
-      <p:italic r:id="rId34"/>
-      <p:boldItalic r:id="rId35"/>
+      <p:regular r:id="rId33"/>
+      <p:bold r:id="rId34"/>
+      <p:italic r:id="rId35"/>
+      <p:boldItalic r:id="rId36"/>
     </p:embeddedFont>
     <p:embeddedFont>
       <p:font typeface="Lato"/>
-      <p:regular r:id="rId36"/>
-      <p:bold r:id="rId37"/>
-      <p:italic r:id="rId38"/>
-      <p:boldItalic r:id="rId39"/>
+      <p:regular r:id="rId37"/>
+      <p:bold r:id="rId38"/>
+      <p:italic r:id="rId39"/>
+      <p:boldItalic r:id="rId40"/>
     </p:embeddedFont>
   </p:embeddedFontLst>
   <p:defaultTextStyle>
@@ -1128,7 +1129,7 @@
   <p:cSld>
     <p:spTree>
       <p:nvGrpSpPr>
-        <p:cNvPr id="200" name="Shape 200"/>
+        <p:cNvPr id="201" name="Shape 201"/>
         <p:cNvGrpSpPr/>
         <p:nvPr/>
       </p:nvGrpSpPr>
@@ -1142,7 +1143,7 @@
       </p:grpSpPr>
       <p:sp>
         <p:nvSpPr>
-          <p:cNvPr id="201" name="Google Shape;201;g2401cc75fdb_0_548:notes"/>
+          <p:cNvPr id="202" name="Google Shape;202;g2401cc75fdb_0_548:notes"/>
           <p:cNvSpPr/>
           <p:nvPr>
             <p:ph idx="2" type="sldImg"/>
@@ -1177,7 +1178,7 @@
       </p:sp>
       <p:sp>
         <p:nvSpPr>
-          <p:cNvPr id="202" name="Google Shape;202;g2401cc75fdb_0_548:notes"/>
+          <p:cNvPr id="203" name="Google Shape;203;g2401cc75fdb_0_548:notes"/>
           <p:cNvSpPr txBox="1"/>
           <p:nvPr>
             <p:ph idx="1" type="body"/>
@@ -1227,7 +1228,7 @@
   <p:cSld>
     <p:spTree>
       <p:nvGrpSpPr>
-        <p:cNvPr id="206" name="Shape 206"/>
+        <p:cNvPr id="207" name="Shape 207"/>
         <p:cNvGrpSpPr/>
         <p:nvPr/>
       </p:nvGrpSpPr>
@@ -1241,7 +1242,7 @@
       </p:grpSpPr>
       <p:sp>
         <p:nvSpPr>
-          <p:cNvPr id="207" name="Google Shape;207;g2401cc75fdb_0_554:notes"/>
+          <p:cNvPr id="208" name="Google Shape;208;g2401cc75fdb_0_554:notes"/>
           <p:cNvSpPr/>
           <p:nvPr>
             <p:ph idx="2" type="sldImg"/>
@@ -1276,7 +1277,7 @@
       </p:sp>
       <p:sp>
         <p:nvSpPr>
-          <p:cNvPr id="208" name="Google Shape;208;g2401cc75fdb_0_554:notes"/>
+          <p:cNvPr id="209" name="Google Shape;209;g2401cc75fdb_0_554:notes"/>
           <p:cNvSpPr txBox="1"/>
           <p:nvPr>
             <p:ph idx="1" type="body"/>
@@ -1326,7 +1327,7 @@
   <p:cSld>
     <p:spTree>
       <p:nvGrpSpPr>
-        <p:cNvPr id="212" name="Shape 212"/>
+        <p:cNvPr id="213" name="Shape 213"/>
         <p:cNvGrpSpPr/>
         <p:nvPr/>
       </p:nvGrpSpPr>
@@ -1340,7 +1341,7 @@
       </p:grpSpPr>
       <p:sp>
         <p:nvSpPr>
-          <p:cNvPr id="213" name="Google Shape;213;g2401cc75fdb_0_559:notes"/>
+          <p:cNvPr id="214" name="Google Shape;214;g2401cc75fdb_0_559:notes"/>
           <p:cNvSpPr/>
           <p:nvPr>
             <p:ph idx="2" type="sldImg"/>
@@ -1375,7 +1376,7 @@
       </p:sp>
       <p:sp>
         <p:nvSpPr>
-          <p:cNvPr id="214" name="Google Shape;214;g2401cc75fdb_0_559:notes"/>
+          <p:cNvPr id="215" name="Google Shape;215;g2401cc75fdb_0_559:notes"/>
           <p:cNvSpPr txBox="1"/>
           <p:nvPr>
             <p:ph idx="1" type="body"/>
@@ -1425,7 +1426,7 @@
   <p:cSld>
     <p:spTree>
       <p:nvGrpSpPr>
-        <p:cNvPr id="218" name="Shape 218"/>
+        <p:cNvPr id="219" name="Shape 219"/>
         <p:cNvGrpSpPr/>
         <p:nvPr/>
       </p:nvGrpSpPr>
@@ -1439,7 +1440,7 @@
       </p:grpSpPr>
       <p:sp>
         <p:nvSpPr>
-          <p:cNvPr id="219" name="Google Shape;219;g2401cc75fdb_0_565:notes"/>
+          <p:cNvPr id="220" name="Google Shape;220;g2401cc75fdb_0_565:notes"/>
           <p:cNvSpPr/>
           <p:nvPr>
             <p:ph idx="2" type="sldImg"/>
@@ -1474,7 +1475,7 @@
       </p:sp>
       <p:sp>
         <p:nvSpPr>
-          <p:cNvPr id="220" name="Google Shape;220;g2401cc75fdb_0_565:notes"/>
+          <p:cNvPr id="221" name="Google Shape;221;g2401cc75fdb_0_565:notes"/>
           <p:cNvSpPr txBox="1"/>
           <p:nvPr>
             <p:ph idx="1" type="body"/>
@@ -1524,7 +1525,7 @@
   <p:cSld>
     <p:spTree>
       <p:nvGrpSpPr>
-        <p:cNvPr id="224" name="Shape 224"/>
+        <p:cNvPr id="225" name="Shape 225"/>
         <p:cNvGrpSpPr/>
         <p:nvPr/>
       </p:nvGrpSpPr>
@@ -1538,7 +1539,7 @@
       </p:grpSpPr>
       <p:sp>
         <p:nvSpPr>
-          <p:cNvPr id="225" name="Google Shape;225;g2401cc75fdb_0_579:notes"/>
+          <p:cNvPr id="226" name="Google Shape;226;g2401cc75fdb_0_579:notes"/>
           <p:cNvSpPr/>
           <p:nvPr>
             <p:ph idx="2" type="sldImg"/>
@@ -1573,7 +1574,7 @@
       </p:sp>
       <p:sp>
         <p:nvSpPr>
-          <p:cNvPr id="226" name="Google Shape;226;g2401cc75fdb_0_579:notes"/>
+          <p:cNvPr id="227" name="Google Shape;227;g2401cc75fdb_0_579:notes"/>
           <p:cNvSpPr txBox="1"/>
           <p:nvPr>
             <p:ph idx="1" type="body"/>
@@ -1623,7 +1624,7 @@
   <p:cSld>
     <p:spTree>
       <p:nvGrpSpPr>
-        <p:cNvPr id="230" name="Shape 230"/>
+        <p:cNvPr id="231" name="Shape 231"/>
         <p:cNvGrpSpPr/>
         <p:nvPr/>
       </p:nvGrpSpPr>
@@ -1637,7 +1638,7 @@
       </p:grpSpPr>
       <p:sp>
         <p:nvSpPr>
-          <p:cNvPr id="231" name="Google Shape;231;g2401cc75fdb_0_589:notes"/>
+          <p:cNvPr id="232" name="Google Shape;232;g2401cc75fdb_0_589:notes"/>
           <p:cNvSpPr/>
           <p:nvPr>
             <p:ph idx="2" type="sldImg"/>
@@ -1672,7 +1673,7 @@
       </p:sp>
       <p:sp>
         <p:nvSpPr>
-          <p:cNvPr id="232" name="Google Shape;232;g2401cc75fdb_0_589:notes"/>
+          <p:cNvPr id="233" name="Google Shape;233;g2401cc75fdb_0_589:notes"/>
           <p:cNvSpPr txBox="1"/>
           <p:nvPr>
             <p:ph idx="1" type="body"/>
@@ -1722,7 +1723,7 @@
   <p:cSld>
     <p:spTree>
       <p:nvGrpSpPr>
-        <p:cNvPr id="236" name="Shape 236"/>
+        <p:cNvPr id="237" name="Shape 237"/>
         <p:cNvGrpSpPr/>
         <p:nvPr/>
       </p:nvGrpSpPr>
@@ -1736,7 +1737,7 @@
       </p:grpSpPr>
       <p:sp>
         <p:nvSpPr>
-          <p:cNvPr id="237" name="Google Shape;237;g2401cc75fdb_0_574:notes"/>
+          <p:cNvPr id="238" name="Google Shape;238;g240621c95bd_0_3:notes"/>
           <p:cNvSpPr/>
           <p:nvPr>
             <p:ph idx="2" type="sldImg"/>
@@ -1771,7 +1772,7 @@
       </p:sp>
       <p:sp>
         <p:nvSpPr>
-          <p:cNvPr id="238" name="Google Shape;238;g2401cc75fdb_0_574:notes"/>
+          <p:cNvPr id="239" name="Google Shape;239;g240621c95bd_0_3:notes"/>
           <p:cNvSpPr txBox="1"/>
           <p:nvPr>
             <p:ph idx="1" type="body"/>
@@ -1920,7 +1921,7 @@
   <p:cSld>
     <p:spTree>
       <p:nvGrpSpPr>
-        <p:cNvPr id="242" name="Shape 242"/>
+        <p:cNvPr id="244" name="Shape 244"/>
         <p:cNvGrpSpPr/>
         <p:nvPr/>
       </p:nvGrpSpPr>
@@ -1934,7 +1935,7 @@
       </p:grpSpPr>
       <p:sp>
         <p:nvSpPr>
-          <p:cNvPr id="243" name="Google Shape;243;g2401cc75fdb_0_584:notes"/>
+          <p:cNvPr id="245" name="Google Shape;245;g2401cc75fdb_0_574:notes"/>
           <p:cNvSpPr/>
           <p:nvPr>
             <p:ph idx="2" type="sldImg"/>
@@ -1969,7 +1970,7 @@
       </p:sp>
       <p:sp>
         <p:nvSpPr>
-          <p:cNvPr id="244" name="Google Shape;244;g2401cc75fdb_0_584:notes"/>
+          <p:cNvPr id="246" name="Google Shape;246;g2401cc75fdb_0_574:notes"/>
           <p:cNvSpPr txBox="1"/>
           <p:nvPr>
             <p:ph idx="1" type="body"/>
@@ -2019,7 +2020,7 @@
   <p:cSld>
     <p:spTree>
       <p:nvGrpSpPr>
-        <p:cNvPr id="248" name="Shape 248"/>
+        <p:cNvPr id="250" name="Shape 250"/>
         <p:cNvGrpSpPr/>
         <p:nvPr/>
       </p:nvGrpSpPr>
@@ -2033,7 +2034,7 @@
       </p:grpSpPr>
       <p:sp>
         <p:nvSpPr>
-          <p:cNvPr id="249" name="Google Shape;249;g23f57af7de4_0_5:notes"/>
+          <p:cNvPr id="251" name="Google Shape;251;g2401cc75fdb_0_584:notes"/>
           <p:cNvSpPr/>
           <p:nvPr>
             <p:ph idx="2" type="sldImg"/>
@@ -2068,7 +2069,7 @@
       </p:sp>
       <p:sp>
         <p:nvSpPr>
-          <p:cNvPr id="250" name="Google Shape;250;g23f57af7de4_0_5:notes"/>
+          <p:cNvPr id="252" name="Google Shape;252;g2401cc75fdb_0_584:notes"/>
           <p:cNvSpPr txBox="1"/>
           <p:nvPr>
             <p:ph idx="1" type="body"/>
@@ -2118,7 +2119,7 @@
   <p:cSld>
     <p:spTree>
       <p:nvGrpSpPr>
-        <p:cNvPr id="254" name="Shape 254"/>
+        <p:cNvPr id="256" name="Shape 256"/>
         <p:cNvGrpSpPr/>
         <p:nvPr/>
       </p:nvGrpSpPr>
@@ -2132,7 +2133,7 @@
       </p:grpSpPr>
       <p:sp>
         <p:nvSpPr>
-          <p:cNvPr id="255" name="Google Shape;255;g2401cc75fdb_0_594:notes"/>
+          <p:cNvPr id="257" name="Google Shape;257;g23f57af7de4_0_5:notes"/>
           <p:cNvSpPr/>
           <p:nvPr>
             <p:ph idx="2" type="sldImg"/>
@@ -2167,7 +2168,7 @@
       </p:sp>
       <p:sp>
         <p:nvSpPr>
-          <p:cNvPr id="256" name="Google Shape;256;g2401cc75fdb_0_594:notes"/>
+          <p:cNvPr id="258" name="Google Shape;258;g23f57af7de4_0_5:notes"/>
           <p:cNvSpPr txBox="1"/>
           <p:nvPr>
             <p:ph idx="1" type="body"/>
@@ -2217,7 +2218,7 @@
   <p:cSld>
     <p:spTree>
       <p:nvGrpSpPr>
-        <p:cNvPr id="260" name="Shape 260"/>
+        <p:cNvPr id="262" name="Shape 262"/>
         <p:cNvGrpSpPr/>
         <p:nvPr/>
       </p:nvGrpSpPr>
@@ -2231,7 +2232,7 @@
       </p:grpSpPr>
       <p:sp>
         <p:nvSpPr>
-          <p:cNvPr id="261" name="Google Shape;261;g23f57af7de4_0_21:notes"/>
+          <p:cNvPr id="263" name="Google Shape;263;g2401cc75fdb_0_594:notes"/>
           <p:cNvSpPr/>
           <p:nvPr>
             <p:ph idx="2" type="sldImg"/>
@@ -2266,7 +2267,7 @@
       </p:sp>
       <p:sp>
         <p:nvSpPr>
-          <p:cNvPr id="262" name="Google Shape;262;g23f57af7de4_0_21:notes"/>
+          <p:cNvPr id="264" name="Google Shape;264;g2401cc75fdb_0_594:notes"/>
           <p:cNvSpPr txBox="1"/>
           <p:nvPr>
             <p:ph idx="1" type="body"/>
@@ -2316,7 +2317,7 @@
   <p:cSld>
     <p:spTree>
       <p:nvGrpSpPr>
-        <p:cNvPr id="267" name="Shape 267"/>
+        <p:cNvPr id="268" name="Shape 268"/>
         <p:cNvGrpSpPr/>
         <p:nvPr/>
       </p:nvGrpSpPr>
@@ -2330,7 +2331,7 @@
       </p:grpSpPr>
       <p:sp>
         <p:nvSpPr>
-          <p:cNvPr id="268" name="Google Shape;268;g23f57af7de4_0_0:notes"/>
+          <p:cNvPr id="269" name="Google Shape;269;g23f57af7de4_0_21:notes"/>
           <p:cNvSpPr/>
           <p:nvPr>
             <p:ph idx="2" type="sldImg"/>
@@ -2365,7 +2366,7 @@
       </p:sp>
       <p:sp>
         <p:nvSpPr>
-          <p:cNvPr id="269" name="Google Shape;269;g23f57af7de4_0_0:notes"/>
+          <p:cNvPr id="270" name="Google Shape;270;g23f57af7de4_0_21:notes"/>
           <p:cNvSpPr txBox="1"/>
           <p:nvPr>
             <p:ph idx="1" type="body"/>
@@ -2415,7 +2416,7 @@
   <p:cSld>
     <p:spTree>
       <p:nvGrpSpPr>
-        <p:cNvPr id="274" name="Shape 274"/>
+        <p:cNvPr id="275" name="Shape 275"/>
         <p:cNvGrpSpPr/>
         <p:nvPr/>
       </p:nvGrpSpPr>
@@ -2429,7 +2430,7 @@
       </p:grpSpPr>
       <p:sp>
         <p:nvSpPr>
-          <p:cNvPr id="275" name="Google Shape;275;g2401cc75fdb_0_599:notes"/>
+          <p:cNvPr id="276" name="Google Shape;276;g23f57af7de4_0_0:notes"/>
           <p:cNvSpPr/>
           <p:nvPr>
             <p:ph idx="2" type="sldImg"/>
@@ -2464,7 +2465,7 @@
       </p:sp>
       <p:sp>
         <p:nvSpPr>
-          <p:cNvPr id="276" name="Google Shape;276;g2401cc75fdb_0_599:notes"/>
+          <p:cNvPr id="277" name="Google Shape;277;g23f57af7de4_0_0:notes"/>
           <p:cNvSpPr txBox="1"/>
           <p:nvPr>
             <p:ph idx="1" type="body"/>
@@ -2514,7 +2515,7 @@
   <p:cSld>
     <p:spTree>
       <p:nvGrpSpPr>
-        <p:cNvPr id="280" name="Shape 280"/>
+        <p:cNvPr id="282" name="Shape 282"/>
         <p:cNvGrpSpPr/>
         <p:nvPr/>
       </p:nvGrpSpPr>
@@ -2528,7 +2529,7 @@
       </p:grpSpPr>
       <p:sp>
         <p:nvSpPr>
-          <p:cNvPr id="281" name="Google Shape;281;g2401cc75fdb_0_619:notes"/>
+          <p:cNvPr id="283" name="Google Shape;283;g2401cc75fdb_0_599:notes"/>
           <p:cNvSpPr/>
           <p:nvPr>
             <p:ph idx="2" type="sldImg"/>
@@ -2563,7 +2564,106 @@
       </p:sp>
       <p:sp>
         <p:nvSpPr>
-          <p:cNvPr id="282" name="Google Shape;282;g2401cc75fdb_0_619:notes"/>
+          <p:cNvPr id="284" name="Google Shape;284;g2401cc75fdb_0_599:notes"/>
+          <p:cNvSpPr txBox="1"/>
+          <p:nvPr>
+            <p:ph idx="1" type="body"/>
+          </p:nvPr>
+        </p:nvSpPr>
+        <p:spPr>
+          <a:xfrm>
+            <a:off x="685800" y="4343400"/>
+            <a:ext cx="5486400" cy="4114800"/>
+          </a:xfrm>
+          <a:prstGeom prst="rect">
+            <a:avLst/>
+          </a:prstGeom>
+        </p:spPr>
+        <p:txBody>
+          <a:bodyPr anchorCtr="0" anchor="t" bIns="91425" lIns="91425" spcFirstLastPara="1" rIns="91425" wrap="square" tIns="91425">
+            <a:noAutofit/>
+          </a:bodyPr>
+          <a:lstStyle/>
+          <a:p>
+            <a:pPr indent="0" lvl="0" marL="0" rtl="0" algn="l">
+              <a:spcBef>
+                <a:spcPts val="0"/>
+              </a:spcBef>
+              <a:spcAft>
+                <a:spcPts val="0"/>
+              </a:spcAft>
+              <a:buNone/>
+            </a:pPr>
+            <a:r>
+              <a:t/>
+            </a:r>
+            <a:endParaRPr/>
+          </a:p>
+        </p:txBody>
+      </p:sp>
+    </p:spTree>
+  </p:cSld>
+  <p:clrMapOvr>
+    <a:masterClrMapping/>
+  </p:clrMapOvr>
+</p:notes>
+</file>
+
+<file path=ppt/notesSlides/notesSlide27.xml><?xml version="1.0" encoding="utf-8"?>
+<p:notes xmlns:a="http://schemas.openxmlformats.org/drawingml/2006/main" xmlns:r="http://schemas.openxmlformats.org/officeDocument/2006/relationships" xmlns:mc="http://schemas.openxmlformats.org/markup-compatibility/2006" xmlns:mv="urn:schemas-microsoft-com:mac:vml" xmlns:p="http://schemas.openxmlformats.org/presentationml/2006/main" xmlns:c="http://schemas.openxmlformats.org/drawingml/2006/chart" xmlns:dgm="http://schemas.openxmlformats.org/drawingml/2006/diagram" xmlns:o="urn:schemas-microsoft-com:office:office" xmlns:v="urn:schemas-microsoft-com:vml" xmlns:pvml="urn:schemas-microsoft-com:office:powerpoint" xmlns:com="http://schemas.openxmlformats.org/drawingml/2006/compatibility" xmlns:p14="http://schemas.microsoft.com/office/powerpoint/2010/main" xmlns:p15="http://schemas.microsoft.com/office/powerpoint/2012/main" xmlns:ahyp="http://schemas.microsoft.com/office/drawing/2018/hyperlinkcolor" showMasterPhAnim="0" showMasterSp="0">
+  <p:cSld>
+    <p:spTree>
+      <p:nvGrpSpPr>
+        <p:cNvPr id="288" name="Shape 288"/>
+        <p:cNvGrpSpPr/>
+        <p:nvPr/>
+      </p:nvGrpSpPr>
+      <p:grpSpPr>
+        <a:xfrm>
+          <a:off x="0" y="0"/>
+          <a:ext cx="0" cy="0"/>
+          <a:chOff x="0" y="0"/>
+          <a:chExt cx="0" cy="0"/>
+        </a:xfrm>
+      </p:grpSpPr>
+      <p:sp>
+        <p:nvSpPr>
+          <p:cNvPr id="289" name="Google Shape;289;g2401cc75fdb_0_619:notes"/>
+          <p:cNvSpPr/>
+          <p:nvPr>
+            <p:ph idx="2" type="sldImg"/>
+          </p:nvPr>
+        </p:nvSpPr>
+        <p:spPr>
+          <a:xfrm>
+            <a:off x="381300" y="685800"/>
+            <a:ext cx="6096000" cy="3429000"/>
+          </a:xfrm>
+          <a:custGeom>
+            <a:rect b="b" l="l" r="r" t="t"/>
+            <a:pathLst>
+              <a:path extrusionOk="0" h="120000" w="120000">
+                <a:moveTo>
+                  <a:pt x="0" y="0"/>
+                </a:moveTo>
+                <a:lnTo>
+                  <a:pt x="120000" y="0"/>
+                </a:lnTo>
+                <a:lnTo>
+                  <a:pt x="120000" y="120000"/>
+                </a:lnTo>
+                <a:lnTo>
+                  <a:pt x="0" y="120000"/>
+                </a:lnTo>
+                <a:close/>
+              </a:path>
+            </a:pathLst>
+          </a:custGeom>
+        </p:spPr>
+      </p:sp>
+      <p:sp>
+        <p:nvSpPr>
+          <p:cNvPr id="290" name="Google Shape;290;g2401cc75fdb_0_619:notes"/>
           <p:cNvSpPr txBox="1"/>
           <p:nvPr>
             <p:ph idx="1" type="body"/>
@@ -12113,8 +12213,8 @@
         </p:nvSpPr>
         <p:spPr>
           <a:xfrm>
-            <a:off x="1297500" y="1567550"/>
-            <a:ext cx="7038900" cy="2911200"/>
+            <a:off x="639125" y="1567550"/>
+            <a:ext cx="3386100" cy="2911200"/>
           </a:xfrm>
           <a:prstGeom prst="rect">
             <a:avLst/>
@@ -12126,23 +12226,103 @@
           </a:bodyPr>
           <a:lstStyle/>
           <a:p>
-            <a:pPr indent="0" lvl="0" marL="0" rtl="0" algn="l">
-              <a:spcBef>
-                <a:spcPts val="0"/>
-              </a:spcBef>
-              <a:spcAft>
-                <a:spcPts val="1200"/>
-              </a:spcAft>
-              <a:buNone/>
+            <a:pPr indent="-323850" lvl="0" marL="457200" rtl="0" algn="l">
+              <a:spcBef>
+                <a:spcPts val="0"/>
+              </a:spcBef>
+              <a:spcAft>
+                <a:spcPts val="0"/>
+              </a:spcAft>
+              <a:buSzPts val="1500"/>
+              <a:buChar char="●"/>
             </a:pPr>
             <a:r>
               <a:rPr lang="en" sz="1500"/>
-              <a:t>[Insert architecture diagram here]</a:t>
+              <a:t>Use of queues for and streams for asynchronicity and scale</a:t>
+            </a:r>
+            <a:endParaRPr sz="1500"/>
+          </a:p>
+          <a:p>
+            <a:pPr indent="-323850" lvl="0" marL="457200" rtl="0" algn="l">
+              <a:spcBef>
+                <a:spcPts val="0"/>
+              </a:spcBef>
+              <a:spcAft>
+                <a:spcPts val="0"/>
+              </a:spcAft>
+              <a:buSzPts val="1500"/>
+              <a:buChar char="●"/>
+            </a:pPr>
+            <a:r>
+              <a:rPr lang="en" sz="1500"/>
+              <a:t>Machine learning using AWS microservices</a:t>
+            </a:r>
+            <a:endParaRPr sz="1500"/>
+          </a:p>
+          <a:p>
+            <a:pPr indent="-323850" lvl="0" marL="457200" rtl="0" algn="l">
+              <a:spcBef>
+                <a:spcPts val="0"/>
+              </a:spcBef>
+              <a:spcAft>
+                <a:spcPts val="0"/>
+              </a:spcAft>
+              <a:buSzPts val="1500"/>
+              <a:buChar char="●"/>
+            </a:pPr>
+            <a:r>
+              <a:rPr lang="en" sz="1500"/>
+              <a:t>Cognito for authentication</a:t>
+            </a:r>
+            <a:endParaRPr sz="1500"/>
+          </a:p>
+          <a:p>
+            <a:pPr indent="-323850" lvl="0" marL="457200" rtl="0" algn="l">
+              <a:spcBef>
+                <a:spcPts val="0"/>
+              </a:spcBef>
+              <a:spcAft>
+                <a:spcPts val="0"/>
+              </a:spcAft>
+              <a:buSzPts val="1500"/>
+              <a:buChar char="●"/>
+            </a:pPr>
+            <a:r>
+              <a:rPr lang="en" sz="1500"/>
+              <a:t>Multiple indices to optimize searching reports and groupings</a:t>
             </a:r>
             <a:endParaRPr sz="1500"/>
           </a:p>
         </p:txBody>
       </p:sp>
+      <p:pic>
+        <p:nvPicPr>
+          <p:cNvPr id="200" name="Google Shape;200;p24"/>
+          <p:cNvPicPr preferRelativeResize="0"/>
+          <p:nvPr/>
+        </p:nvPicPr>
+        <p:blipFill>
+          <a:blip r:embed="rId3">
+            <a:alphaModFix/>
+          </a:blip>
+          <a:stretch>
+            <a:fillRect/>
+          </a:stretch>
+        </p:blipFill>
+        <p:spPr>
+          <a:xfrm>
+            <a:off x="4664475" y="806325"/>
+            <a:ext cx="4202410" cy="3530849"/>
+          </a:xfrm>
+          <a:prstGeom prst="rect">
+            <a:avLst/>
+          </a:prstGeom>
+          <a:noFill/>
+          <a:ln>
+            <a:noFill/>
+          </a:ln>
+        </p:spPr>
+      </p:pic>
     </p:spTree>
   </p:cSld>
   <p:clrMapOvr>
@@ -12156,7 +12336,7 @@
   <p:cSld>
     <p:spTree>
       <p:nvGrpSpPr>
-        <p:cNvPr id="203" name="Shape 203"/>
+        <p:cNvPr id="204" name="Shape 204"/>
         <p:cNvGrpSpPr/>
         <p:nvPr/>
       </p:nvGrpSpPr>
@@ -12170,7 +12350,7 @@
       </p:grpSpPr>
       <p:sp>
         <p:nvSpPr>
-          <p:cNvPr id="204" name="Google Shape;204;p25"/>
+          <p:cNvPr id="205" name="Google Shape;205;p25"/>
           <p:cNvSpPr txBox="1"/>
           <p:nvPr>
             <p:ph type="title"/>
@@ -12210,7 +12390,7 @@
       </p:sp>
       <p:sp>
         <p:nvSpPr>
-          <p:cNvPr id="205" name="Google Shape;205;p25"/>
+          <p:cNvPr id="206" name="Google Shape;206;p25"/>
           <p:cNvSpPr txBox="1"/>
           <p:nvPr>
             <p:ph idx="1" type="body"/>
@@ -12328,7 +12508,7 @@
   <p:cSld>
     <p:spTree>
       <p:nvGrpSpPr>
-        <p:cNvPr id="209" name="Shape 209"/>
+        <p:cNvPr id="210" name="Shape 210"/>
         <p:cNvGrpSpPr/>
         <p:nvPr/>
       </p:nvGrpSpPr>
@@ -12342,7 +12522,7 @@
       </p:grpSpPr>
       <p:sp>
         <p:nvSpPr>
-          <p:cNvPr id="210" name="Google Shape;210;p26"/>
+          <p:cNvPr id="211" name="Google Shape;211;p26"/>
           <p:cNvSpPr txBox="1"/>
           <p:nvPr>
             <p:ph type="title"/>
@@ -12382,7 +12562,7 @@
       </p:sp>
       <p:sp>
         <p:nvSpPr>
-          <p:cNvPr id="211" name="Google Shape;211;p26"/>
+          <p:cNvPr id="212" name="Google Shape;212;p26"/>
           <p:cNvSpPr txBox="1"/>
           <p:nvPr>
             <p:ph idx="1" type="body"/>
@@ -12587,7 +12767,7 @@
   <p:cSld>
     <p:spTree>
       <p:nvGrpSpPr>
-        <p:cNvPr id="215" name="Shape 215"/>
+        <p:cNvPr id="216" name="Shape 216"/>
         <p:cNvGrpSpPr/>
         <p:nvPr/>
       </p:nvGrpSpPr>
@@ -12601,7 +12781,7 @@
       </p:grpSpPr>
       <p:sp>
         <p:nvSpPr>
-          <p:cNvPr id="216" name="Google Shape;216;p27"/>
+          <p:cNvPr id="217" name="Google Shape;217;p27"/>
           <p:cNvSpPr txBox="1"/>
           <p:nvPr>
             <p:ph type="title"/>
@@ -12641,7 +12821,7 @@
       </p:sp>
       <p:sp>
         <p:nvSpPr>
-          <p:cNvPr id="217" name="Google Shape;217;p27"/>
+          <p:cNvPr id="218" name="Google Shape;218;p27"/>
           <p:cNvSpPr txBox="1"/>
           <p:nvPr>
             <p:ph idx="1" type="body"/>
@@ -12744,7 +12924,7 @@
   <p:cSld>
     <p:spTree>
       <p:nvGrpSpPr>
-        <p:cNvPr id="221" name="Shape 221"/>
+        <p:cNvPr id="222" name="Shape 222"/>
         <p:cNvGrpSpPr/>
         <p:nvPr/>
       </p:nvGrpSpPr>
@@ -12758,7 +12938,7 @@
       </p:grpSpPr>
       <p:sp>
         <p:nvSpPr>
-          <p:cNvPr id="222" name="Google Shape;222;p28"/>
+          <p:cNvPr id="223" name="Google Shape;223;p28"/>
           <p:cNvSpPr txBox="1"/>
           <p:nvPr>
             <p:ph type="title"/>
@@ -12798,7 +12978,7 @@
       </p:sp>
       <p:sp>
         <p:nvSpPr>
-          <p:cNvPr id="223" name="Google Shape;223;p28"/>
+          <p:cNvPr id="224" name="Google Shape;224;p28"/>
           <p:cNvSpPr txBox="1"/>
           <p:nvPr>
             <p:ph idx="1" type="body"/>
@@ -12935,7 +13115,7 @@
   <p:cSld>
     <p:spTree>
       <p:nvGrpSpPr>
-        <p:cNvPr id="227" name="Shape 227"/>
+        <p:cNvPr id="228" name="Shape 228"/>
         <p:cNvGrpSpPr/>
         <p:nvPr/>
       </p:nvGrpSpPr>
@@ -12949,7 +13129,7 @@
       </p:grpSpPr>
       <p:sp>
         <p:nvSpPr>
-          <p:cNvPr id="228" name="Google Shape;228;p29"/>
+          <p:cNvPr id="229" name="Google Shape;229;p29"/>
           <p:cNvSpPr txBox="1"/>
           <p:nvPr>
             <p:ph type="title"/>
@@ -12989,7 +13169,7 @@
       </p:sp>
       <p:sp>
         <p:nvSpPr>
-          <p:cNvPr id="229" name="Google Shape;229;p29"/>
+          <p:cNvPr id="230" name="Google Shape;230;p29"/>
           <p:cNvSpPr txBox="1"/>
           <p:nvPr>
             <p:ph idx="1" type="body"/>
@@ -13022,7 +13202,32 @@
             </a:pPr>
             <a:r>
               <a:rPr lang="en" sz="1500"/>
-              <a:t>Based on a multi-match OpenSearch query</a:t>
+              <a:t>Suggested groupings based on a multi-match OpenSearch query</a:t>
+            </a:r>
+            <a:endParaRPr sz="1500"/>
+          </a:p>
+          <a:p>
+            <a:pPr indent="-323850" lvl="1" marL="914400" rtl="0" algn="l">
+              <a:spcBef>
+                <a:spcPts val="0"/>
+              </a:spcBef>
+              <a:spcAft>
+                <a:spcPts val="0"/>
+              </a:spcAft>
+              <a:buSzPts val="1500"/>
+              <a:buChar char="○"/>
+            </a:pPr>
+            <a:r>
+              <a:rPr lang="en" sz="1500"/>
+              <a:t>Match a combination of </a:t>
+            </a:r>
+            <a:r>
+              <a:rPr lang="en" sz="1500"/>
+              <a:t>attributes</a:t>
+            </a:r>
+            <a:r>
+              <a:rPr lang="en" sz="1500"/>
+              <a:t> from keywords, photo labels, location</a:t>
             </a:r>
             <a:endParaRPr sz="1500"/>
           </a:p>
@@ -13038,7 +13243,50 @@
               <a:buChar char="●"/>
             </a:pPr>
             <a:r>
-              <a:t/>
+              <a:rPr lang="en" sz="1500"/>
+              <a:t>Reports can also be added to groups after manual review</a:t>
+            </a:r>
+            <a:endParaRPr sz="1500"/>
+          </a:p>
+          <a:p>
+            <a:pPr indent="-323850" lvl="0" marL="457200" rtl="0" algn="l">
+              <a:spcBef>
+                <a:spcPts val="0"/>
+              </a:spcBef>
+              <a:spcAft>
+                <a:spcPts val="0"/>
+              </a:spcAft>
+              <a:buSzPts val="1500"/>
+              <a:buChar char="●"/>
+            </a:pPr>
+            <a:r>
+              <a:rPr lang="en" sz="1500"/>
+              <a:t>Groupings are </a:t>
+            </a:r>
+            <a:r>
+              <a:rPr lang="en" sz="1500"/>
+              <a:t>separate</a:t>
+            </a:r>
+            <a:r>
+              <a:rPr lang="en" sz="1500"/>
+              <a:t> from simply searching</a:t>
+            </a:r>
+            <a:endParaRPr sz="1500"/>
+          </a:p>
+          <a:p>
+            <a:pPr indent="-323850" lvl="1" marL="914400" rtl="0" algn="l">
+              <a:spcBef>
+                <a:spcPts val="0"/>
+              </a:spcBef>
+              <a:spcAft>
+                <a:spcPts val="0"/>
+              </a:spcAft>
+              <a:buSzPts val="1500"/>
+              <a:buChar char="○"/>
+            </a:pPr>
+            <a:r>
+              <a:rPr lang="en" sz="1500"/>
+              <a:t>Embed some level of intelligence about what kind of maintenance issues are arising and how they are related</a:t>
             </a:r>
             <a:endParaRPr sz="1500"/>
           </a:p>
@@ -13057,7 +13305,7 @@
   <p:cSld>
     <p:spTree>
       <p:nvGrpSpPr>
-        <p:cNvPr id="233" name="Shape 233"/>
+        <p:cNvPr id="234" name="Shape 234"/>
         <p:cNvGrpSpPr/>
         <p:nvPr/>
       </p:nvGrpSpPr>
@@ -13071,7 +13319,7 @@
       </p:grpSpPr>
       <p:sp>
         <p:nvSpPr>
-          <p:cNvPr id="234" name="Google Shape;234;p30"/>
+          <p:cNvPr id="235" name="Google Shape;235;p30"/>
           <p:cNvSpPr txBox="1"/>
           <p:nvPr>
             <p:ph type="title"/>
@@ -13103,7 +13351,7 @@
             </a:pPr>
             <a:r>
               <a:rPr lang="en"/>
-              <a:t>DevOps and Optimizations</a:t>
+              <a:t>Optimizations</a:t>
             </a:r>
             <a:endParaRPr/>
           </a:p>
@@ -13111,7 +13359,7 @@
       </p:sp>
       <p:sp>
         <p:nvSpPr>
-          <p:cNvPr id="235" name="Google Shape;235;p30"/>
+          <p:cNvPr id="236" name="Google Shape;236;p30"/>
           <p:cNvSpPr txBox="1"/>
           <p:nvPr>
             <p:ph idx="1" type="body"/>
@@ -13128,26 +13376,9 @@
         </p:spPr>
         <p:txBody>
           <a:bodyPr anchorCtr="0" anchor="t" bIns="91425" lIns="91425" spcFirstLastPara="1" rIns="91425" wrap="square" tIns="91425">
-            <a:normAutofit lnSpcReduction="10000"/>
+            <a:normAutofit/>
           </a:bodyPr>
           <a:lstStyle/>
-          <a:p>
-            <a:pPr indent="-323850" lvl="0" marL="457200" rtl="0" algn="l">
-              <a:spcBef>
-                <a:spcPts val="0"/>
-              </a:spcBef>
-              <a:spcAft>
-                <a:spcPts val="0"/>
-              </a:spcAft>
-              <a:buSzPts val="1500"/>
-              <a:buChar char="●"/>
-            </a:pPr>
-            <a:r>
-              <a:rPr lang="en" sz="1500"/>
-              <a:t>CloudFormation allows us to spin the entire stack up or down easily</a:t>
-            </a:r>
-            <a:endParaRPr sz="1500"/>
-          </a:p>
           <a:p>
             <a:pPr indent="-323850" lvl="0" marL="457200" rtl="0" algn="l">
               <a:spcBef>
@@ -13282,7 +13513,7 @@
   <p:cSld>
     <p:spTree>
       <p:nvGrpSpPr>
-        <p:cNvPr id="239" name="Shape 239"/>
+        <p:cNvPr id="240" name="Shape 240"/>
         <p:cNvGrpSpPr/>
         <p:nvPr/>
       </p:nvGrpSpPr>
@@ -13296,7 +13527,7 @@
       </p:grpSpPr>
       <p:sp>
         <p:nvSpPr>
-          <p:cNvPr id="240" name="Google Shape;240;p31"/>
+          <p:cNvPr id="241" name="Google Shape;241;p31"/>
           <p:cNvSpPr txBox="1"/>
           <p:nvPr>
             <p:ph type="title"/>
@@ -13328,7 +13559,7 @@
             </a:pPr>
             <a:r>
               <a:rPr lang="en"/>
-              <a:t>External Data</a:t>
+              <a:t>DevOps</a:t>
             </a:r>
             <a:endParaRPr/>
           </a:p>
@@ -13336,7 +13567,7 @@
       </p:sp>
       <p:sp>
         <p:nvSpPr>
-          <p:cNvPr id="241" name="Google Shape;241;p31"/>
+          <p:cNvPr id="242" name="Google Shape;242;p31"/>
           <p:cNvSpPr txBox="1"/>
           <p:nvPr>
             <p:ph idx="1" type="body"/>
@@ -13345,7 +13576,7 @@
         <p:spPr>
           <a:xfrm>
             <a:off x="1297500" y="1567550"/>
-            <a:ext cx="7038900" cy="3187800"/>
+            <a:ext cx="7038900" cy="2911200"/>
           </a:xfrm>
           <a:prstGeom prst="rect">
             <a:avLst/>
@@ -13353,7 +13584,7 @@
         </p:spPr>
         <p:txBody>
           <a:bodyPr anchorCtr="0" anchor="t" bIns="91425" lIns="91425" spcFirstLastPara="1" rIns="91425" wrap="square" tIns="91425">
-            <a:normAutofit lnSpcReduction="10000"/>
+            <a:normAutofit/>
           </a:bodyPr>
           <a:lstStyle/>
           <a:p>
@@ -13369,32 +13600,7 @@
             </a:pPr>
             <a:r>
               <a:rPr lang="en" sz="1500"/>
-              <a:t>NYC 311 Service Requests from 2010 to Present</a:t>
-            </a:r>
-            <a:endParaRPr sz="1500"/>
-          </a:p>
-          <a:p>
-            <a:pPr indent="-323850" lvl="1" marL="914400" rtl="0" algn="l">
-              <a:spcBef>
-                <a:spcPts val="0"/>
-              </a:spcBef>
-              <a:spcAft>
-                <a:spcPts val="0"/>
-              </a:spcAft>
-              <a:buSzPts val="1500"/>
-              <a:buChar char="○"/>
-            </a:pPr>
-            <a:r>
-              <a:rPr lang="en" sz="1500"/>
-              <a:t>33 million rows with request to many </a:t>
-            </a:r>
-            <a:r>
-              <a:rPr lang="en" sz="1500"/>
-              <a:t>irrelevant</a:t>
-            </a:r>
-            <a:r>
-              <a:rPr lang="en" sz="1500"/>
-              <a:t> departments: NYPD, Parks and Recreation, Taxi and Limo</a:t>
+              <a:t>CloudFormation allows us to spin the entire stack up or down easily</a:t>
             </a:r>
             <a:endParaRPr sz="1500"/>
           </a:p>
@@ -13411,97 +13617,40 @@
             </a:pPr>
             <a:r>
               <a:rPr lang="en" sz="1500"/>
-              <a:t>Pulled requests from Jan. 2023, excluding non-useful complaint types like ‘unsanitary conditions’ and ‘heat/hot water’</a:t>
-            </a:r>
-            <a:endParaRPr sz="1500"/>
-          </a:p>
-          <a:p>
-            <a:pPr indent="-323850" lvl="1" marL="914400" rtl="0" algn="l">
-              <a:spcBef>
-                <a:spcPts val="0"/>
-              </a:spcBef>
-              <a:spcAft>
-                <a:spcPts val="0"/>
-              </a:spcAft>
-              <a:buSzPts val="1500"/>
-              <a:buChar char="○"/>
-            </a:pPr>
-            <a:r>
-              <a:rPr lang="en" sz="1500"/>
-              <a:t>Yielded around 100,000 records</a:t>
-            </a:r>
-            <a:endParaRPr sz="1500"/>
-          </a:p>
-          <a:p>
-            <a:pPr indent="-323850" lvl="0" marL="457200" rtl="0" algn="l">
-              <a:spcBef>
-                <a:spcPts val="0"/>
-              </a:spcBef>
-              <a:spcAft>
-                <a:spcPts val="0"/>
-              </a:spcAft>
-              <a:buSzPts val="1500"/>
-              <a:buChar char="●"/>
-            </a:pPr>
-            <a:r>
-              <a:rPr lang="en" sz="1500"/>
-              <a:t>Pruned requests that had been closed because the inspector could not reach the relevant physical location</a:t>
-            </a:r>
-            <a:endParaRPr sz="1500"/>
-          </a:p>
-          <a:p>
-            <a:pPr indent="-323850" lvl="0" marL="457200" rtl="0" algn="l">
-              <a:spcBef>
-                <a:spcPts val="0"/>
-              </a:spcBef>
-              <a:spcAft>
-                <a:spcPts val="0"/>
-              </a:spcAft>
-              <a:buSzPts val="1500"/>
-              <a:buChar char="●"/>
-            </a:pPr>
-            <a:r>
-              <a:rPr lang="en" sz="1500"/>
-              <a:t>Randomly sampled 2000 records from relevant complaint types</a:t>
-            </a:r>
-            <a:endParaRPr sz="1500"/>
-          </a:p>
-          <a:p>
-            <a:pPr indent="-323850" lvl="1" marL="914400" rtl="0" algn="l">
-              <a:spcBef>
-                <a:spcPts val="0"/>
-              </a:spcBef>
-              <a:spcAft>
-                <a:spcPts val="0"/>
-              </a:spcAft>
-              <a:buSzPts val="1500"/>
-              <a:buChar char="○"/>
-            </a:pPr>
-            <a:r>
-              <a:rPr lang="en" sz="1500"/>
-              <a:t>paint/plaster, plumbing, water leak, door/window, electric, flooring/stairs</a:t>
-            </a:r>
-            <a:endParaRPr sz="1500"/>
-          </a:p>
-          <a:p>
-            <a:pPr indent="-323850" lvl="1" marL="914400" rtl="0" algn="l">
-              <a:spcBef>
-                <a:spcPts val="0"/>
-              </a:spcBef>
-              <a:spcAft>
-                <a:spcPts val="0"/>
-              </a:spcAft>
-              <a:buSzPts val="1500"/>
-              <a:buChar char="○"/>
-            </a:pPr>
-            <a:r>
-              <a:rPr lang="en" sz="1500"/>
-              <a:t>Yielded 12000 records</a:t>
+              <a:t>Configured with nested stack structure</a:t>
             </a:r>
             <a:endParaRPr sz="1500"/>
           </a:p>
         </p:txBody>
       </p:sp>
+      <p:pic>
+        <p:nvPicPr>
+          <p:cNvPr id="243" name="Google Shape;243;p31"/>
+          <p:cNvPicPr preferRelativeResize="0"/>
+          <p:nvPr/>
+        </p:nvPicPr>
+        <p:blipFill>
+          <a:blip r:embed="rId3">
+            <a:alphaModFix/>
+          </a:blip>
+          <a:stretch>
+            <a:fillRect/>
+          </a:stretch>
+        </p:blipFill>
+        <p:spPr>
+          <a:xfrm>
+            <a:off x="1123213" y="2474625"/>
+            <a:ext cx="6897577" cy="2316100"/>
+          </a:xfrm>
+          <a:prstGeom prst="rect">
+            <a:avLst/>
+          </a:prstGeom>
+          <a:noFill/>
+          <a:ln>
+            <a:noFill/>
+          </a:ln>
+        </p:spPr>
+      </p:pic>
     </p:spTree>
   </p:cSld>
   <p:clrMapOvr>
@@ -13672,7 +13821,7 @@
   <p:cSld>
     <p:spTree>
       <p:nvGrpSpPr>
-        <p:cNvPr id="245" name="Shape 245"/>
+        <p:cNvPr id="247" name="Shape 247"/>
         <p:cNvGrpSpPr/>
         <p:nvPr/>
       </p:nvGrpSpPr>
@@ -13686,7 +13835,7 @@
       </p:grpSpPr>
       <p:sp>
         <p:nvSpPr>
-          <p:cNvPr id="246" name="Google Shape;246;p32"/>
+          <p:cNvPr id="248" name="Google Shape;248;p32"/>
           <p:cNvSpPr txBox="1"/>
           <p:nvPr>
             <p:ph type="title"/>
@@ -13718,7 +13867,7 @@
             </a:pPr>
             <a:r>
               <a:rPr lang="en"/>
-              <a:t>Data cleaning and transformations</a:t>
+              <a:t>External Data</a:t>
             </a:r>
             <a:endParaRPr/>
           </a:p>
@@ -13726,7 +13875,240 @@
       </p:sp>
       <p:sp>
         <p:nvSpPr>
-          <p:cNvPr id="247" name="Google Shape;247;p32"/>
+          <p:cNvPr id="249" name="Google Shape;249;p32"/>
+          <p:cNvSpPr txBox="1"/>
+          <p:nvPr>
+            <p:ph idx="1" type="body"/>
+          </p:nvPr>
+        </p:nvSpPr>
+        <p:spPr>
+          <a:xfrm>
+            <a:off x="1297500" y="1567550"/>
+            <a:ext cx="7038900" cy="3187800"/>
+          </a:xfrm>
+          <a:prstGeom prst="rect">
+            <a:avLst/>
+          </a:prstGeom>
+        </p:spPr>
+        <p:txBody>
+          <a:bodyPr anchorCtr="0" anchor="t" bIns="91425" lIns="91425" spcFirstLastPara="1" rIns="91425" wrap="square" tIns="91425">
+            <a:normAutofit lnSpcReduction="10000"/>
+          </a:bodyPr>
+          <a:lstStyle/>
+          <a:p>
+            <a:pPr indent="-323850" lvl="0" marL="457200" rtl="0" algn="l">
+              <a:spcBef>
+                <a:spcPts val="0"/>
+              </a:spcBef>
+              <a:spcAft>
+                <a:spcPts val="0"/>
+              </a:spcAft>
+              <a:buSzPts val="1500"/>
+              <a:buChar char="●"/>
+            </a:pPr>
+            <a:r>
+              <a:rPr lang="en" sz="1500"/>
+              <a:t>NYC 311 Service Requests from 2010 to Present</a:t>
+            </a:r>
+            <a:endParaRPr sz="1500"/>
+          </a:p>
+          <a:p>
+            <a:pPr indent="-323850" lvl="1" marL="914400" rtl="0" algn="l">
+              <a:spcBef>
+                <a:spcPts val="0"/>
+              </a:spcBef>
+              <a:spcAft>
+                <a:spcPts val="0"/>
+              </a:spcAft>
+              <a:buSzPts val="1500"/>
+              <a:buChar char="○"/>
+            </a:pPr>
+            <a:r>
+              <a:rPr lang="en" sz="1500"/>
+              <a:t>33 million rows with request to many </a:t>
+            </a:r>
+            <a:r>
+              <a:rPr lang="en" sz="1500"/>
+              <a:t>irrelevant</a:t>
+            </a:r>
+            <a:r>
+              <a:rPr lang="en" sz="1500"/>
+              <a:t> departments: NYPD, Parks and Recreation, Taxi and Limo</a:t>
+            </a:r>
+            <a:endParaRPr sz="1500"/>
+          </a:p>
+          <a:p>
+            <a:pPr indent="-323850" lvl="0" marL="457200" rtl="0" algn="l">
+              <a:spcBef>
+                <a:spcPts val="0"/>
+              </a:spcBef>
+              <a:spcAft>
+                <a:spcPts val="0"/>
+              </a:spcAft>
+              <a:buSzPts val="1500"/>
+              <a:buChar char="●"/>
+            </a:pPr>
+            <a:r>
+              <a:rPr lang="en" sz="1500"/>
+              <a:t>Pulled requests from Jan. 2023, excluding non-useful complaint types like ‘unsanitary conditions’ and ‘heat/hot water’</a:t>
+            </a:r>
+            <a:endParaRPr sz="1500"/>
+          </a:p>
+          <a:p>
+            <a:pPr indent="-323850" lvl="1" marL="914400" rtl="0" algn="l">
+              <a:spcBef>
+                <a:spcPts val="0"/>
+              </a:spcBef>
+              <a:spcAft>
+                <a:spcPts val="0"/>
+              </a:spcAft>
+              <a:buSzPts val="1500"/>
+              <a:buChar char="○"/>
+            </a:pPr>
+            <a:r>
+              <a:rPr lang="en" sz="1500"/>
+              <a:t>Yielded around 100,000 records</a:t>
+            </a:r>
+            <a:endParaRPr sz="1500"/>
+          </a:p>
+          <a:p>
+            <a:pPr indent="-323850" lvl="0" marL="457200" rtl="0" algn="l">
+              <a:spcBef>
+                <a:spcPts val="0"/>
+              </a:spcBef>
+              <a:spcAft>
+                <a:spcPts val="0"/>
+              </a:spcAft>
+              <a:buSzPts val="1500"/>
+              <a:buChar char="●"/>
+            </a:pPr>
+            <a:r>
+              <a:rPr lang="en" sz="1500"/>
+              <a:t>Pruned requests that had been closed because the inspector could not reach the relevant physical location</a:t>
+            </a:r>
+            <a:endParaRPr sz="1500"/>
+          </a:p>
+          <a:p>
+            <a:pPr indent="-323850" lvl="0" marL="457200" rtl="0" algn="l">
+              <a:spcBef>
+                <a:spcPts val="0"/>
+              </a:spcBef>
+              <a:spcAft>
+                <a:spcPts val="0"/>
+              </a:spcAft>
+              <a:buSzPts val="1500"/>
+              <a:buChar char="●"/>
+            </a:pPr>
+            <a:r>
+              <a:rPr lang="en" sz="1500"/>
+              <a:t>Randomly sampled 2000 records from relevant complaint types</a:t>
+            </a:r>
+            <a:endParaRPr sz="1500"/>
+          </a:p>
+          <a:p>
+            <a:pPr indent="-323850" lvl="1" marL="914400" rtl="0" algn="l">
+              <a:spcBef>
+                <a:spcPts val="0"/>
+              </a:spcBef>
+              <a:spcAft>
+                <a:spcPts val="0"/>
+              </a:spcAft>
+              <a:buSzPts val="1500"/>
+              <a:buChar char="○"/>
+            </a:pPr>
+            <a:r>
+              <a:rPr lang="en" sz="1500"/>
+              <a:t>paint/plaster, plumbing, water leak, door/window, electric, flooring/stairs</a:t>
+            </a:r>
+            <a:endParaRPr sz="1500"/>
+          </a:p>
+          <a:p>
+            <a:pPr indent="-323850" lvl="1" marL="914400" rtl="0" algn="l">
+              <a:spcBef>
+                <a:spcPts val="0"/>
+              </a:spcBef>
+              <a:spcAft>
+                <a:spcPts val="0"/>
+              </a:spcAft>
+              <a:buSzPts val="1500"/>
+              <a:buChar char="○"/>
+            </a:pPr>
+            <a:r>
+              <a:rPr lang="en" sz="1500"/>
+              <a:t>Yielded 12000 records</a:t>
+            </a:r>
+            <a:endParaRPr sz="1500"/>
+          </a:p>
+        </p:txBody>
+      </p:sp>
+    </p:spTree>
+  </p:cSld>
+  <p:clrMapOvr>
+    <a:masterClrMapping/>
+  </p:clrMapOvr>
+</p:sld>
+</file>
+
+<file path=ppt/slides/slide21.xml><?xml version="1.0" encoding="utf-8"?>
+<p:sld xmlns:a="http://schemas.openxmlformats.org/drawingml/2006/main" xmlns:r="http://schemas.openxmlformats.org/officeDocument/2006/relationships" xmlns:mc="http://schemas.openxmlformats.org/markup-compatibility/2006" xmlns:mv="urn:schemas-microsoft-com:mac:vml" xmlns:p="http://schemas.openxmlformats.org/presentationml/2006/main" xmlns:c="http://schemas.openxmlformats.org/drawingml/2006/chart" xmlns:dgm="http://schemas.openxmlformats.org/drawingml/2006/diagram" xmlns:o="urn:schemas-microsoft-com:office:office" xmlns:v="urn:schemas-microsoft-com:vml" xmlns:pvml="urn:schemas-microsoft-com:office:powerpoint" xmlns:com="http://schemas.openxmlformats.org/drawingml/2006/compatibility" xmlns:p14="http://schemas.microsoft.com/office/powerpoint/2010/main" xmlns:p15="http://schemas.microsoft.com/office/powerpoint/2012/main" xmlns:ahyp="http://schemas.microsoft.com/office/drawing/2018/hyperlinkcolor">
+  <p:cSld>
+    <p:spTree>
+      <p:nvGrpSpPr>
+        <p:cNvPr id="253" name="Shape 253"/>
+        <p:cNvGrpSpPr/>
+        <p:nvPr/>
+      </p:nvGrpSpPr>
+      <p:grpSpPr>
+        <a:xfrm>
+          <a:off x="0" y="0"/>
+          <a:ext cx="0" cy="0"/>
+          <a:chOff x="0" y="0"/>
+          <a:chExt cx="0" cy="0"/>
+        </a:xfrm>
+      </p:grpSpPr>
+      <p:sp>
+        <p:nvSpPr>
+          <p:cNvPr id="254" name="Google Shape;254;p33"/>
+          <p:cNvSpPr txBox="1"/>
+          <p:nvPr>
+            <p:ph type="title"/>
+          </p:nvPr>
+        </p:nvSpPr>
+        <p:spPr>
+          <a:xfrm>
+            <a:off x="1297500" y="393750"/>
+            <a:ext cx="7038900" cy="914100"/>
+          </a:xfrm>
+          <a:prstGeom prst="rect">
+            <a:avLst/>
+          </a:prstGeom>
+        </p:spPr>
+        <p:txBody>
+          <a:bodyPr anchorCtr="0" anchor="t" bIns="91425" lIns="91425" spcFirstLastPara="1" rIns="91425" wrap="square" tIns="91425">
+            <a:normAutofit/>
+          </a:bodyPr>
+          <a:lstStyle/>
+          <a:p>
+            <a:pPr indent="0" lvl="0" marL="0" rtl="0" algn="l">
+              <a:spcBef>
+                <a:spcPts val="0"/>
+              </a:spcBef>
+              <a:spcAft>
+                <a:spcPts val="0"/>
+              </a:spcAft>
+              <a:buNone/>
+            </a:pPr>
+            <a:r>
+              <a:rPr lang="en"/>
+              <a:t>Data cleaning and transformations</a:t>
+            </a:r>
+            <a:endParaRPr/>
+          </a:p>
+        </p:txBody>
+      </p:sp>
+      <p:sp>
+        <p:nvSpPr>
+          <p:cNvPr id="255" name="Google Shape;255;p33"/>
           <p:cNvSpPr txBox="1"/>
           <p:nvPr>
             <p:ph idx="1" type="body"/>
@@ -13882,12 +14264,12 @@
 </p:sld>
 </file>
 
-<file path=ppt/slides/slide21.xml><?xml version="1.0" encoding="utf-8"?>
+<file path=ppt/slides/slide22.xml><?xml version="1.0" encoding="utf-8"?>
 <p:sld xmlns:a="http://schemas.openxmlformats.org/drawingml/2006/main" xmlns:r="http://schemas.openxmlformats.org/officeDocument/2006/relationships" xmlns:mc="http://schemas.openxmlformats.org/markup-compatibility/2006" xmlns:mv="urn:schemas-microsoft-com:mac:vml" xmlns:p="http://schemas.openxmlformats.org/presentationml/2006/main" xmlns:c="http://schemas.openxmlformats.org/drawingml/2006/chart" xmlns:dgm="http://schemas.openxmlformats.org/drawingml/2006/diagram" xmlns:o="urn:schemas-microsoft-com:office:office" xmlns:v="urn:schemas-microsoft-com:vml" xmlns:pvml="urn:schemas-microsoft-com:office:powerpoint" xmlns:com="http://schemas.openxmlformats.org/drawingml/2006/compatibility" xmlns:p14="http://schemas.microsoft.com/office/powerpoint/2010/main" xmlns:p15="http://schemas.microsoft.com/office/powerpoint/2012/main" xmlns:ahyp="http://schemas.microsoft.com/office/drawing/2018/hyperlinkcolor">
   <p:cSld>
     <p:spTree>
       <p:nvGrpSpPr>
-        <p:cNvPr id="251" name="Shape 251"/>
+        <p:cNvPr id="259" name="Shape 259"/>
         <p:cNvGrpSpPr/>
         <p:nvPr/>
       </p:nvGrpSpPr>
@@ -13901,7 +14283,7 @@
       </p:grpSpPr>
       <p:sp>
         <p:nvSpPr>
-          <p:cNvPr id="252" name="Google Shape;252;p33"/>
+          <p:cNvPr id="260" name="Google Shape;260;p34"/>
           <p:cNvSpPr txBox="1"/>
           <p:nvPr>
             <p:ph type="title"/>
@@ -13941,7 +14323,7 @@
       </p:sp>
       <p:sp>
         <p:nvSpPr>
-          <p:cNvPr id="253" name="Google Shape;253;p33"/>
+          <p:cNvPr id="261" name="Google Shape;261;p34"/>
           <p:cNvSpPr txBox="1"/>
           <p:nvPr>
             <p:ph idx="1" type="body"/>
@@ -14022,12 +14404,12 @@
 </p:sld>
 </file>
 
-<file path=ppt/slides/slide22.xml><?xml version="1.0" encoding="utf-8"?>
+<file path=ppt/slides/slide23.xml><?xml version="1.0" encoding="utf-8"?>
 <p:sld xmlns:a="http://schemas.openxmlformats.org/drawingml/2006/main" xmlns:r="http://schemas.openxmlformats.org/officeDocument/2006/relationships" xmlns:mc="http://schemas.openxmlformats.org/markup-compatibility/2006" xmlns:mv="urn:schemas-microsoft-com:mac:vml" xmlns:p="http://schemas.openxmlformats.org/presentationml/2006/main" xmlns:c="http://schemas.openxmlformats.org/drawingml/2006/chart" xmlns:dgm="http://schemas.openxmlformats.org/drawingml/2006/diagram" xmlns:o="urn:schemas-microsoft-com:office:office" xmlns:v="urn:schemas-microsoft-com:vml" xmlns:pvml="urn:schemas-microsoft-com:office:powerpoint" xmlns:com="http://schemas.openxmlformats.org/drawingml/2006/compatibility" xmlns:p14="http://schemas.microsoft.com/office/powerpoint/2010/main" xmlns:p15="http://schemas.microsoft.com/office/powerpoint/2012/main" xmlns:ahyp="http://schemas.microsoft.com/office/drawing/2018/hyperlinkcolor">
   <p:cSld>
     <p:spTree>
       <p:nvGrpSpPr>
-        <p:cNvPr id="257" name="Shape 257"/>
+        <p:cNvPr id="265" name="Shape 265"/>
         <p:cNvGrpSpPr/>
         <p:nvPr/>
       </p:nvGrpSpPr>
@@ -14041,7 +14423,7 @@
       </p:grpSpPr>
       <p:sp>
         <p:nvSpPr>
-          <p:cNvPr id="258" name="Google Shape;258;p34"/>
+          <p:cNvPr id="266" name="Google Shape;266;p35"/>
           <p:cNvSpPr txBox="1"/>
           <p:nvPr>
             <p:ph type="title"/>
@@ -14081,7 +14463,7 @@
       </p:sp>
       <p:pic>
         <p:nvPicPr>
-          <p:cNvPr id="259" name="Google Shape;259;p34"/>
+          <p:cNvPr id="267" name="Google Shape;267;p35"/>
           <p:cNvPicPr preferRelativeResize="0"/>
           <p:nvPr/>
         </p:nvPicPr>
@@ -14115,12 +14497,12 @@
 </p:sld>
 </file>
 
-<file path=ppt/slides/slide23.xml><?xml version="1.0" encoding="utf-8"?>
+<file path=ppt/slides/slide24.xml><?xml version="1.0" encoding="utf-8"?>
 <p:sld xmlns:a="http://schemas.openxmlformats.org/drawingml/2006/main" xmlns:r="http://schemas.openxmlformats.org/officeDocument/2006/relationships" xmlns:mc="http://schemas.openxmlformats.org/markup-compatibility/2006" xmlns:mv="urn:schemas-microsoft-com:mac:vml" xmlns:p="http://schemas.openxmlformats.org/presentationml/2006/main" xmlns:c="http://schemas.openxmlformats.org/drawingml/2006/chart" xmlns:dgm="http://schemas.openxmlformats.org/drawingml/2006/diagram" xmlns:o="urn:schemas-microsoft-com:office:office" xmlns:v="urn:schemas-microsoft-com:vml" xmlns:pvml="urn:schemas-microsoft-com:office:powerpoint" xmlns:com="http://schemas.openxmlformats.org/drawingml/2006/compatibility" xmlns:p14="http://schemas.microsoft.com/office/powerpoint/2010/main" xmlns:p15="http://schemas.microsoft.com/office/powerpoint/2012/main" xmlns:ahyp="http://schemas.microsoft.com/office/drawing/2018/hyperlinkcolor">
   <p:cSld>
     <p:spTree>
       <p:nvGrpSpPr>
-        <p:cNvPr id="263" name="Shape 263"/>
+        <p:cNvPr id="271" name="Shape 271"/>
         <p:cNvGrpSpPr/>
         <p:nvPr/>
       </p:nvGrpSpPr>
@@ -14134,7 +14516,7 @@
       </p:grpSpPr>
       <p:sp>
         <p:nvSpPr>
-          <p:cNvPr id="264" name="Google Shape;264;p35"/>
+          <p:cNvPr id="272" name="Google Shape;272;p36"/>
           <p:cNvSpPr txBox="1"/>
           <p:nvPr>
             <p:ph type="title"/>
@@ -14174,7 +14556,7 @@
       </p:sp>
       <p:pic>
         <p:nvPicPr>
-          <p:cNvPr id="265" name="Google Shape;265;p35"/>
+          <p:cNvPr id="273" name="Google Shape;273;p36"/>
           <p:cNvPicPr preferRelativeResize="0"/>
           <p:nvPr/>
         </p:nvPicPr>
@@ -14202,7 +14584,7 @@
       </p:pic>
       <p:pic>
         <p:nvPicPr>
-          <p:cNvPr id="266" name="Google Shape;266;p35"/>
+          <p:cNvPr id="274" name="Google Shape;274;p36"/>
           <p:cNvPicPr preferRelativeResize="0"/>
           <p:nvPr/>
         </p:nvPicPr>
@@ -14236,12 +14618,12 @@
 </p:sld>
 </file>
 
-<file path=ppt/slides/slide24.xml><?xml version="1.0" encoding="utf-8"?>
+<file path=ppt/slides/slide25.xml><?xml version="1.0" encoding="utf-8"?>
 <p:sld xmlns:a="http://schemas.openxmlformats.org/drawingml/2006/main" xmlns:r="http://schemas.openxmlformats.org/officeDocument/2006/relationships" xmlns:mc="http://schemas.openxmlformats.org/markup-compatibility/2006" xmlns:mv="urn:schemas-microsoft-com:mac:vml" xmlns:p="http://schemas.openxmlformats.org/presentationml/2006/main" xmlns:c="http://schemas.openxmlformats.org/drawingml/2006/chart" xmlns:dgm="http://schemas.openxmlformats.org/drawingml/2006/diagram" xmlns:o="urn:schemas-microsoft-com:office:office" xmlns:v="urn:schemas-microsoft-com:vml" xmlns:pvml="urn:schemas-microsoft-com:office:powerpoint" xmlns:com="http://schemas.openxmlformats.org/drawingml/2006/compatibility" xmlns:p14="http://schemas.microsoft.com/office/powerpoint/2010/main" xmlns:p15="http://schemas.microsoft.com/office/powerpoint/2012/main" xmlns:ahyp="http://schemas.microsoft.com/office/drawing/2018/hyperlinkcolor">
   <p:cSld>
     <p:spTree>
       <p:nvGrpSpPr>
-        <p:cNvPr id="270" name="Shape 270"/>
+        <p:cNvPr id="278" name="Shape 278"/>
         <p:cNvGrpSpPr/>
         <p:nvPr/>
       </p:nvGrpSpPr>
@@ -14255,7 +14637,7 @@
       </p:grpSpPr>
       <p:sp>
         <p:nvSpPr>
-          <p:cNvPr id="271" name="Google Shape;271;p36"/>
+          <p:cNvPr id="279" name="Google Shape;279;p37"/>
           <p:cNvSpPr txBox="1"/>
           <p:nvPr>
             <p:ph type="title"/>
@@ -14295,7 +14677,7 @@
       </p:sp>
       <p:pic>
         <p:nvPicPr>
-          <p:cNvPr id="272" name="Google Shape;272;p36"/>
+          <p:cNvPr id="280" name="Google Shape;280;p37"/>
           <p:cNvPicPr preferRelativeResize="0"/>
           <p:nvPr/>
         </p:nvPicPr>
@@ -14323,7 +14705,7 @@
       </p:pic>
       <p:pic>
         <p:nvPicPr>
-          <p:cNvPr id="273" name="Google Shape;273;p36"/>
+          <p:cNvPr id="281" name="Google Shape;281;p37"/>
           <p:cNvPicPr preferRelativeResize="0"/>
           <p:nvPr/>
         </p:nvPicPr>
@@ -14357,12 +14739,12 @@
 </p:sld>
 </file>
 
-<file path=ppt/slides/slide25.xml><?xml version="1.0" encoding="utf-8"?>
+<file path=ppt/slides/slide26.xml><?xml version="1.0" encoding="utf-8"?>
 <p:sld xmlns:a="http://schemas.openxmlformats.org/drawingml/2006/main" xmlns:r="http://schemas.openxmlformats.org/officeDocument/2006/relationships" xmlns:mc="http://schemas.openxmlformats.org/markup-compatibility/2006" xmlns:mv="urn:schemas-microsoft-com:mac:vml" xmlns:p="http://schemas.openxmlformats.org/presentationml/2006/main" xmlns:c="http://schemas.openxmlformats.org/drawingml/2006/chart" xmlns:dgm="http://schemas.openxmlformats.org/drawingml/2006/diagram" xmlns:o="urn:schemas-microsoft-com:office:office" xmlns:v="urn:schemas-microsoft-com:vml" xmlns:pvml="urn:schemas-microsoft-com:office:powerpoint" xmlns:com="http://schemas.openxmlformats.org/drawingml/2006/compatibility" xmlns:p14="http://schemas.microsoft.com/office/powerpoint/2010/main" xmlns:p15="http://schemas.microsoft.com/office/powerpoint/2012/main" xmlns:ahyp="http://schemas.microsoft.com/office/drawing/2018/hyperlinkcolor">
   <p:cSld>
     <p:spTree>
       <p:nvGrpSpPr>
-        <p:cNvPr id="277" name="Shape 277"/>
+        <p:cNvPr id="285" name="Shape 285"/>
         <p:cNvGrpSpPr/>
         <p:nvPr/>
       </p:nvGrpSpPr>
@@ -14376,7 +14758,7 @@
       </p:grpSpPr>
       <p:sp>
         <p:nvSpPr>
-          <p:cNvPr id="278" name="Google Shape;278;p37"/>
+          <p:cNvPr id="286" name="Google Shape;286;p38"/>
           <p:cNvSpPr txBox="1"/>
           <p:nvPr>
             <p:ph type="title"/>
@@ -14416,7 +14798,7 @@
       </p:sp>
       <p:sp>
         <p:nvSpPr>
-          <p:cNvPr id="279" name="Google Shape;279;p37"/>
+          <p:cNvPr id="287" name="Google Shape;287;p38"/>
           <p:cNvSpPr txBox="1"/>
           <p:nvPr>
             <p:ph idx="1" type="body"/>
@@ -14548,12 +14930,12 @@
 </p:sld>
 </file>
 
-<file path=ppt/slides/slide26.xml><?xml version="1.0" encoding="utf-8"?>
+<file path=ppt/slides/slide27.xml><?xml version="1.0" encoding="utf-8"?>
 <p:sld xmlns:a="http://schemas.openxmlformats.org/drawingml/2006/main" xmlns:r="http://schemas.openxmlformats.org/officeDocument/2006/relationships" xmlns:mc="http://schemas.openxmlformats.org/markup-compatibility/2006" xmlns:mv="urn:schemas-microsoft-com:mac:vml" xmlns:p="http://schemas.openxmlformats.org/presentationml/2006/main" xmlns:c="http://schemas.openxmlformats.org/drawingml/2006/chart" xmlns:dgm="http://schemas.openxmlformats.org/drawingml/2006/diagram" xmlns:o="urn:schemas-microsoft-com:office:office" xmlns:v="urn:schemas-microsoft-com:vml" xmlns:pvml="urn:schemas-microsoft-com:office:powerpoint" xmlns:com="http://schemas.openxmlformats.org/drawingml/2006/compatibility" xmlns:p14="http://schemas.microsoft.com/office/powerpoint/2010/main" xmlns:p15="http://schemas.microsoft.com/office/powerpoint/2012/main" xmlns:ahyp="http://schemas.microsoft.com/office/drawing/2018/hyperlinkcolor">
   <p:cSld>
     <p:spTree>
       <p:nvGrpSpPr>
-        <p:cNvPr id="283" name="Shape 283"/>
+        <p:cNvPr id="291" name="Shape 291"/>
         <p:cNvGrpSpPr/>
         <p:nvPr/>
       </p:nvGrpSpPr>
@@ -14567,7 +14949,7 @@
       </p:grpSpPr>
       <p:sp>
         <p:nvSpPr>
-          <p:cNvPr id="284" name="Google Shape;284;p38"/>
+          <p:cNvPr id="292" name="Google Shape;292;p39"/>
           <p:cNvSpPr txBox="1"/>
           <p:nvPr>
             <p:ph type="title"/>
@@ -14607,7 +14989,7 @@
       </p:sp>
       <p:sp>
         <p:nvSpPr>
-          <p:cNvPr id="285" name="Google Shape;285;p38"/>
+          <p:cNvPr id="293" name="Google Shape;293;p39"/>
           <p:cNvSpPr txBox="1"/>
           <p:nvPr>
             <p:ph idx="1" type="body"/>
@@ -15509,6 +15891,285 @@
 </file>
 
 <file path=ppt/theme/theme1.xml><?xml version="1.0" encoding="utf-8"?>
+<a:theme xmlns:a="http://schemas.openxmlformats.org/drawingml/2006/main" xmlns:r="http://schemas.openxmlformats.org/officeDocument/2006/relationships">
+  <a:themeElements>
+    <a:clrScheme name="Default">
+      <a:dk1>
+        <a:srgbClr val="000000"/>
+      </a:dk1>
+      <a:lt1>
+        <a:srgbClr val="FFFFFF"/>
+      </a:lt1>
+      <a:dk2>
+        <a:srgbClr val="158158"/>
+      </a:dk2>
+      <a:lt2>
+        <a:srgbClr val="F3F3F3"/>
+      </a:lt2>
+      <a:accent1>
+        <a:srgbClr val="058DC7"/>
+      </a:accent1>
+      <a:accent2>
+        <a:srgbClr val="50B432"/>
+      </a:accent2>
+      <a:accent3>
+        <a:srgbClr val="ED561B"/>
+      </a:accent3>
+      <a:accent4>
+        <a:srgbClr val="EDEF00"/>
+      </a:accent4>
+      <a:accent5>
+        <a:srgbClr val="24CBE5"/>
+      </a:accent5>
+      <a:accent6>
+        <a:srgbClr val="64E572"/>
+      </a:accent6>
+      <a:hlink>
+        <a:srgbClr val="2200CC"/>
+      </a:hlink>
+      <a:folHlink>
+        <a:srgbClr val="551A8B"/>
+      </a:folHlink>
+    </a:clrScheme>
+    <a:fontScheme name="Office">
+      <a:majorFont>
+        <a:latin typeface="Arial"/>
+        <a:ea typeface=""/>
+        <a:cs typeface=""/>
+        <a:font script="Jpan" typeface="ＭＳ Ｐゴシック"/>
+        <a:font script="Hang" typeface="맑은 고딕"/>
+        <a:font script="Hans" typeface="宋体"/>
+        <a:font script="Hant" typeface="新細明體"/>
+        <a:font script="Arab" typeface="Times New Roman"/>
+        <a:font script="Hebr" typeface="Times New Roman"/>
+        <a:font script="Thai" typeface="Angsana New"/>
+        <a:font script="Ethi" typeface="Nyala"/>
+        <a:font script="Beng" typeface="Vrinda"/>
+        <a:font script="Gujr" typeface="Shruti"/>
+        <a:font script="Khmr" typeface="MoolBoran"/>
+        <a:font script="Knda" typeface="Tunga"/>
+        <a:font script="Guru" typeface="Raavi"/>
+        <a:font script="Cans" typeface="Euphemia"/>
+        <a:font script="Cher" typeface="Plantagenet Cherokee"/>
+        <a:font script="Yiii" typeface="Microsoft Yi Baiti"/>
+        <a:font script="Tibt" typeface="Microsoft Himalaya"/>
+        <a:font script="Thaa" typeface="MV Boli"/>
+        <a:font script="Deva" typeface="Mangal"/>
+        <a:font script="Telu" typeface="Gautami"/>
+        <a:font script="Taml" typeface="Latha"/>
+        <a:font script="Syrc" typeface="Estrangelo Edessa"/>
+        <a:font script="Orya" typeface="Kalinga"/>
+        <a:font script="Mlym" typeface="Kartika"/>
+        <a:font script="Laoo" typeface="DokChampa"/>
+        <a:font script="Sinh" typeface="Iskoola Pota"/>
+        <a:font script="Mong" typeface="Mongolian Baiti"/>
+        <a:font script="Viet" typeface="Times New Roman"/>
+        <a:font script="Uigh" typeface="Microsoft Uighur"/>
+        <a:font script="Geor" typeface="Sylfaen"/>
+      </a:majorFont>
+      <a:minorFont>
+        <a:latin typeface="Arial"/>
+        <a:ea typeface=""/>
+        <a:cs typeface=""/>
+        <a:font script="Jpan" typeface="ＭＳ Ｐゴシック"/>
+        <a:font script="Hang" typeface="맑은 고딕"/>
+        <a:font script="Hans" typeface="宋体"/>
+        <a:font script="Hant" typeface="新細明體"/>
+        <a:font script="Arab" typeface="Arial"/>
+        <a:font script="Hebr" typeface="Arial"/>
+        <a:font script="Thai" typeface="Cordia New"/>
+        <a:font script="Ethi" typeface="Nyala"/>
+        <a:font script="Beng" typeface="Vrinda"/>
+        <a:font script="Gujr" typeface="Shruti"/>
+        <a:font script="Khmr" typeface="DaunPenh"/>
+        <a:font script="Knda" typeface="Tunga"/>
+        <a:font script="Guru" typeface="Raavi"/>
+        <a:font script="Cans" typeface="Euphemia"/>
+        <a:font script="Cher" typeface="Plantagenet Cherokee"/>
+        <a:font script="Yiii" typeface="Microsoft Yi Baiti"/>
+        <a:font script="Tibt" typeface="Microsoft Himalaya"/>
+        <a:font script="Thaa" typeface="MV Boli"/>
+        <a:font script="Deva" typeface="Mangal"/>
+        <a:font script="Telu" typeface="Gautami"/>
+        <a:font script="Taml" typeface="Latha"/>
+        <a:font script="Syrc" typeface="Estrangelo Edessa"/>
+        <a:font script="Orya" typeface="Kalinga"/>
+        <a:font script="Mlym" typeface="Kartika"/>
+        <a:font script="Laoo" typeface="DokChampa"/>
+        <a:font script="Sinh" typeface="Iskoola Pota"/>
+        <a:font script="Mong" typeface="Mongolian Baiti"/>
+        <a:font script="Viet" typeface="Arial"/>
+        <a:font script="Uigh" typeface="Microsoft Uighur"/>
+        <a:font script="Geor" typeface="Sylfaen"/>
+      </a:minorFont>
+    </a:fontScheme>
+    <a:fmtScheme name="Office">
+      <a:fillStyleLst>
+        <a:solidFill>
+          <a:schemeClr val="phClr"/>
+        </a:solidFill>
+        <a:gradFill rotWithShape="1">
+          <a:gsLst>
+            <a:gs pos="0">
+              <a:schemeClr val="phClr">
+                <a:tint val="50000"/>
+                <a:satMod val="300000"/>
+              </a:schemeClr>
+            </a:gs>
+            <a:gs pos="35000">
+              <a:schemeClr val="phClr">
+                <a:tint val="37000"/>
+                <a:satMod val="300000"/>
+              </a:schemeClr>
+            </a:gs>
+            <a:gs pos="100000">
+              <a:schemeClr val="phClr">
+                <a:tint val="15000"/>
+                <a:satMod val="350000"/>
+              </a:schemeClr>
+            </a:gs>
+          </a:gsLst>
+          <a:lin ang="16200000" scaled="1"/>
+        </a:gradFill>
+        <a:gradFill rotWithShape="1">
+          <a:gsLst>
+            <a:gs pos="0">
+              <a:schemeClr val="phClr">
+                <a:tint val="100000"/>
+                <a:shade val="100000"/>
+                <a:satMod val="130000"/>
+              </a:schemeClr>
+            </a:gs>
+            <a:gs pos="100000">
+              <a:schemeClr val="phClr">
+                <a:tint val="50000"/>
+                <a:shade val="100000"/>
+                <a:satMod val="350000"/>
+              </a:schemeClr>
+            </a:gs>
+          </a:gsLst>
+          <a:lin ang="16200000" scaled="0"/>
+        </a:gradFill>
+      </a:fillStyleLst>
+      <a:lnStyleLst>
+        <a:ln w="9525" cap="flat" cmpd="sng" algn="ctr">
+          <a:solidFill>
+            <a:schemeClr val="phClr">
+              <a:shade val="95000"/>
+              <a:satMod val="105000"/>
+            </a:schemeClr>
+          </a:solidFill>
+          <a:prstDash val="solid"/>
+        </a:ln>
+        <a:ln w="25400" cap="flat" cmpd="sng" algn="ctr">
+          <a:solidFill>
+            <a:schemeClr val="phClr"/>
+          </a:solidFill>
+          <a:prstDash val="solid"/>
+        </a:ln>
+        <a:ln w="38100" cap="flat" cmpd="sng" algn="ctr">
+          <a:solidFill>
+            <a:schemeClr val="phClr"/>
+          </a:solidFill>
+          <a:prstDash val="solid"/>
+        </a:ln>
+      </a:lnStyleLst>
+      <a:effectStyleLst>
+        <a:effectStyle>
+          <a:effectLst>
+            <a:outerShdw blurRad="40000" dist="20000" dir="5400000" rotWithShape="0">
+              <a:srgbClr val="000000">
+                <a:alpha val="38000"/>
+              </a:srgbClr>
+            </a:outerShdw>
+          </a:effectLst>
+        </a:effectStyle>
+        <a:effectStyle>
+          <a:effectLst>
+            <a:outerShdw blurRad="40000" dist="23000" dir="5400000" rotWithShape="0">
+              <a:srgbClr val="000000">
+                <a:alpha val="35000"/>
+              </a:srgbClr>
+            </a:outerShdw>
+          </a:effectLst>
+        </a:effectStyle>
+        <a:effectStyle>
+          <a:effectLst>
+            <a:outerShdw blurRad="40000" dist="23000" dir="5400000" rotWithShape="0">
+              <a:srgbClr val="000000">
+                <a:alpha val="35000"/>
+              </a:srgbClr>
+            </a:outerShdw>
+          </a:effectLst>
+          <a:scene3d>
+            <a:camera prst="orthographicFront">
+              <a:rot lat="0" lon="0" rev="0"/>
+            </a:camera>
+            <a:lightRig rig="threePt" dir="t">
+              <a:rot lat="0" lon="0" rev="1200000"/>
+            </a:lightRig>
+          </a:scene3d>
+          <a:sp3d>
+            <a:bevelT w="63500" h="25400"/>
+          </a:sp3d>
+        </a:effectStyle>
+      </a:effectStyleLst>
+      <a:bgFillStyleLst>
+        <a:solidFill>
+          <a:schemeClr val="phClr"/>
+        </a:solidFill>
+        <a:gradFill rotWithShape="1">
+          <a:gsLst>
+            <a:gs pos="0">
+              <a:schemeClr val="phClr">
+                <a:tint val="40000"/>
+                <a:satMod val="350000"/>
+              </a:schemeClr>
+            </a:gs>
+            <a:gs pos="40000">
+              <a:schemeClr val="phClr">
+                <a:tint val="45000"/>
+                <a:shade val="99000"/>
+                <a:satMod val="350000"/>
+              </a:schemeClr>
+            </a:gs>
+            <a:gs pos="100000">
+              <a:schemeClr val="phClr">
+                <a:shade val="20000"/>
+                <a:satMod val="255000"/>
+              </a:schemeClr>
+            </a:gs>
+          </a:gsLst>
+          <a:path path="circle">
+            <a:fillToRect l="50000" t="-80000" r="50000" b="180000"/>
+          </a:path>
+        </a:gradFill>
+        <a:gradFill rotWithShape="1">
+          <a:gsLst>
+            <a:gs pos="0">
+              <a:schemeClr val="phClr">
+                <a:tint val="80000"/>
+                <a:satMod val="300000"/>
+              </a:schemeClr>
+            </a:gs>
+            <a:gs pos="100000">
+              <a:schemeClr val="phClr">
+                <a:shade val="30000"/>
+                <a:satMod val="200000"/>
+              </a:schemeClr>
+            </a:gs>
+          </a:gsLst>
+          <a:path path="circle">
+            <a:fillToRect l="50000" t="50000" r="50000" b="50000"/>
+          </a:path>
+        </a:gradFill>
+      </a:bgFillStyleLst>
+    </a:fmtScheme>
+  </a:themeElements>
+</a:theme>
+</file>
+
+<file path=ppt/theme/theme2.xml><?xml version="1.0" encoding="utf-8"?>
 <a:theme xmlns:a="http://schemas.openxmlformats.org/drawingml/2006/main" xmlns:r="http://schemas.openxmlformats.org/officeDocument/2006/relationships" name="Focus">
   <a:themeElements>
     <a:clrScheme name="Focus">
@@ -15785,283 +16446,4 @@
     </a:fmtScheme>
   </a:themeElements>
 </a:theme>
-</file>
-
-<file path=ppt/theme/theme2.xml><?xml version="1.0" encoding="utf-8"?>
-<a:theme xmlns:a="http://schemas.openxmlformats.org/drawingml/2006/main" xmlns:r="http://schemas.openxmlformats.org/officeDocument/2006/relationships">
-  <a:themeElements>
-    <a:clrScheme name="Default">
-      <a:dk1>
-        <a:srgbClr val="000000"/>
-      </a:dk1>
-      <a:lt1>
-        <a:srgbClr val="FFFFFF"/>
-      </a:lt1>
-      <a:dk2>
-        <a:srgbClr val="158158"/>
-      </a:dk2>
-      <a:lt2>
-        <a:srgbClr val="F3F3F3"/>
-      </a:lt2>
-      <a:accent1>
-        <a:srgbClr val="058DC7"/>
-      </a:accent1>
-      <a:accent2>
-        <a:srgbClr val="50B432"/>
-      </a:accent2>
-      <a:accent3>
-        <a:srgbClr val="ED561B"/>
-      </a:accent3>
-      <a:accent4>
-        <a:srgbClr val="EDEF00"/>
-      </a:accent4>
-      <a:accent5>
-        <a:srgbClr val="24CBE5"/>
-      </a:accent5>
-      <a:accent6>
-        <a:srgbClr val="64E572"/>
-      </a:accent6>
-      <a:hlink>
-        <a:srgbClr val="2200CC"/>
-      </a:hlink>
-      <a:folHlink>
-        <a:srgbClr val="551A8B"/>
-      </a:folHlink>
-    </a:clrScheme>
-    <a:fontScheme name="Office">
-      <a:majorFont>
-        <a:latin typeface="Arial"/>
-        <a:ea typeface=""/>
-        <a:cs typeface=""/>
-        <a:font script="Jpan" typeface="ＭＳ Ｐゴシック"/>
-        <a:font script="Hang" typeface="맑은 고딕"/>
-        <a:font script="Hans" typeface="宋体"/>
-        <a:font script="Hant" typeface="新細明體"/>
-        <a:font script="Arab" typeface="Times New Roman"/>
-        <a:font script="Hebr" typeface="Times New Roman"/>
-        <a:font script="Thai" typeface="Angsana New"/>
-        <a:font script="Ethi" typeface="Nyala"/>
-        <a:font script="Beng" typeface="Vrinda"/>
-        <a:font script="Gujr" typeface="Shruti"/>
-        <a:font script="Khmr" typeface="MoolBoran"/>
-        <a:font script="Knda" typeface="Tunga"/>
-        <a:font script="Guru" typeface="Raavi"/>
-        <a:font script="Cans" typeface="Euphemia"/>
-        <a:font script="Cher" typeface="Plantagenet Cherokee"/>
-        <a:font script="Yiii" typeface="Microsoft Yi Baiti"/>
-        <a:font script="Tibt" typeface="Microsoft Himalaya"/>
-        <a:font script="Thaa" typeface="MV Boli"/>
-        <a:font script="Deva" typeface="Mangal"/>
-        <a:font script="Telu" typeface="Gautami"/>
-        <a:font script="Taml" typeface="Latha"/>
-        <a:font script="Syrc" typeface="Estrangelo Edessa"/>
-        <a:font script="Orya" typeface="Kalinga"/>
-        <a:font script="Mlym" typeface="Kartika"/>
-        <a:font script="Laoo" typeface="DokChampa"/>
-        <a:font script="Sinh" typeface="Iskoola Pota"/>
-        <a:font script="Mong" typeface="Mongolian Baiti"/>
-        <a:font script="Viet" typeface="Times New Roman"/>
-        <a:font script="Uigh" typeface="Microsoft Uighur"/>
-        <a:font script="Geor" typeface="Sylfaen"/>
-      </a:majorFont>
-      <a:minorFont>
-        <a:latin typeface="Arial"/>
-        <a:ea typeface=""/>
-        <a:cs typeface=""/>
-        <a:font script="Jpan" typeface="ＭＳ Ｐゴシック"/>
-        <a:font script="Hang" typeface="맑은 고딕"/>
-        <a:font script="Hans" typeface="宋体"/>
-        <a:font script="Hant" typeface="新細明體"/>
-        <a:font script="Arab" typeface="Arial"/>
-        <a:font script="Hebr" typeface="Arial"/>
-        <a:font script="Thai" typeface="Cordia New"/>
-        <a:font script="Ethi" typeface="Nyala"/>
-        <a:font script="Beng" typeface="Vrinda"/>
-        <a:font script="Gujr" typeface="Shruti"/>
-        <a:font script="Khmr" typeface="DaunPenh"/>
-        <a:font script="Knda" typeface="Tunga"/>
-        <a:font script="Guru" typeface="Raavi"/>
-        <a:font script="Cans" typeface="Euphemia"/>
-        <a:font script="Cher" typeface="Plantagenet Cherokee"/>
-        <a:font script="Yiii" typeface="Microsoft Yi Baiti"/>
-        <a:font script="Tibt" typeface="Microsoft Himalaya"/>
-        <a:font script="Thaa" typeface="MV Boli"/>
-        <a:font script="Deva" typeface="Mangal"/>
-        <a:font script="Telu" typeface="Gautami"/>
-        <a:font script="Taml" typeface="Latha"/>
-        <a:font script="Syrc" typeface="Estrangelo Edessa"/>
-        <a:font script="Orya" typeface="Kalinga"/>
-        <a:font script="Mlym" typeface="Kartika"/>
-        <a:font script="Laoo" typeface="DokChampa"/>
-        <a:font script="Sinh" typeface="Iskoola Pota"/>
-        <a:font script="Mong" typeface="Mongolian Baiti"/>
-        <a:font script="Viet" typeface="Arial"/>
-        <a:font script="Uigh" typeface="Microsoft Uighur"/>
-        <a:font script="Geor" typeface="Sylfaen"/>
-      </a:minorFont>
-    </a:fontScheme>
-    <a:fmtScheme name="Office">
-      <a:fillStyleLst>
-        <a:solidFill>
-          <a:schemeClr val="phClr"/>
-        </a:solidFill>
-        <a:gradFill rotWithShape="1">
-          <a:gsLst>
-            <a:gs pos="0">
-              <a:schemeClr val="phClr">
-                <a:tint val="50000"/>
-                <a:satMod val="300000"/>
-              </a:schemeClr>
-            </a:gs>
-            <a:gs pos="35000">
-              <a:schemeClr val="phClr">
-                <a:tint val="37000"/>
-                <a:satMod val="300000"/>
-              </a:schemeClr>
-            </a:gs>
-            <a:gs pos="100000">
-              <a:schemeClr val="phClr">
-                <a:tint val="15000"/>
-                <a:satMod val="350000"/>
-              </a:schemeClr>
-            </a:gs>
-          </a:gsLst>
-          <a:lin ang="16200000" scaled="1"/>
-        </a:gradFill>
-        <a:gradFill rotWithShape="1">
-          <a:gsLst>
-            <a:gs pos="0">
-              <a:schemeClr val="phClr">
-                <a:tint val="100000"/>
-                <a:shade val="100000"/>
-                <a:satMod val="130000"/>
-              </a:schemeClr>
-            </a:gs>
-            <a:gs pos="100000">
-              <a:schemeClr val="phClr">
-                <a:tint val="50000"/>
-                <a:shade val="100000"/>
-                <a:satMod val="350000"/>
-              </a:schemeClr>
-            </a:gs>
-          </a:gsLst>
-          <a:lin ang="16200000" scaled="0"/>
-        </a:gradFill>
-      </a:fillStyleLst>
-      <a:lnStyleLst>
-        <a:ln w="9525" cap="flat" cmpd="sng" algn="ctr">
-          <a:solidFill>
-            <a:schemeClr val="phClr">
-              <a:shade val="95000"/>
-              <a:satMod val="105000"/>
-            </a:schemeClr>
-          </a:solidFill>
-          <a:prstDash val="solid"/>
-        </a:ln>
-        <a:ln w="25400" cap="flat" cmpd="sng" algn="ctr">
-          <a:solidFill>
-            <a:schemeClr val="phClr"/>
-          </a:solidFill>
-          <a:prstDash val="solid"/>
-        </a:ln>
-        <a:ln w="38100" cap="flat" cmpd="sng" algn="ctr">
-          <a:solidFill>
-            <a:schemeClr val="phClr"/>
-          </a:solidFill>
-          <a:prstDash val="solid"/>
-        </a:ln>
-      </a:lnStyleLst>
-      <a:effectStyleLst>
-        <a:effectStyle>
-          <a:effectLst>
-            <a:outerShdw blurRad="40000" dist="20000" dir="5400000" rotWithShape="0">
-              <a:srgbClr val="000000">
-                <a:alpha val="38000"/>
-              </a:srgbClr>
-            </a:outerShdw>
-          </a:effectLst>
-        </a:effectStyle>
-        <a:effectStyle>
-          <a:effectLst>
-            <a:outerShdw blurRad="40000" dist="23000" dir="5400000" rotWithShape="0">
-              <a:srgbClr val="000000">
-                <a:alpha val="35000"/>
-              </a:srgbClr>
-            </a:outerShdw>
-          </a:effectLst>
-        </a:effectStyle>
-        <a:effectStyle>
-          <a:effectLst>
-            <a:outerShdw blurRad="40000" dist="23000" dir="5400000" rotWithShape="0">
-              <a:srgbClr val="000000">
-                <a:alpha val="35000"/>
-              </a:srgbClr>
-            </a:outerShdw>
-          </a:effectLst>
-          <a:scene3d>
-            <a:camera prst="orthographicFront">
-              <a:rot lat="0" lon="0" rev="0"/>
-            </a:camera>
-            <a:lightRig rig="threePt" dir="t">
-              <a:rot lat="0" lon="0" rev="1200000"/>
-            </a:lightRig>
-          </a:scene3d>
-          <a:sp3d>
-            <a:bevelT w="63500" h="25400"/>
-          </a:sp3d>
-        </a:effectStyle>
-      </a:effectStyleLst>
-      <a:bgFillStyleLst>
-        <a:solidFill>
-          <a:schemeClr val="phClr"/>
-        </a:solidFill>
-        <a:gradFill rotWithShape="1">
-          <a:gsLst>
-            <a:gs pos="0">
-              <a:schemeClr val="phClr">
-                <a:tint val="40000"/>
-                <a:satMod val="350000"/>
-              </a:schemeClr>
-            </a:gs>
-            <a:gs pos="40000">
-              <a:schemeClr val="phClr">
-                <a:tint val="45000"/>
-                <a:shade val="99000"/>
-                <a:satMod val="350000"/>
-              </a:schemeClr>
-            </a:gs>
-            <a:gs pos="100000">
-              <a:schemeClr val="phClr">
-                <a:shade val="20000"/>
-                <a:satMod val="255000"/>
-              </a:schemeClr>
-            </a:gs>
-          </a:gsLst>
-          <a:path path="circle">
-            <a:fillToRect l="50000" t="-80000" r="50000" b="180000"/>
-          </a:path>
-        </a:gradFill>
-        <a:gradFill rotWithShape="1">
-          <a:gsLst>
-            <a:gs pos="0">
-              <a:schemeClr val="phClr">
-                <a:tint val="80000"/>
-                <a:satMod val="300000"/>
-              </a:schemeClr>
-            </a:gs>
-            <a:gs pos="100000">
-              <a:schemeClr val="phClr">
-                <a:shade val="30000"/>
-                <a:satMod val="200000"/>
-              </a:schemeClr>
-            </a:gs>
-          </a:gsLst>
-          <a:path path="circle">
-            <a:fillToRect l="50000" t="50000" r="50000" b="50000"/>
-          </a:path>
-        </a:gradFill>
-      </a:bgFillStyleLst>
-    </a:fmtScheme>
-  </a:themeElements>
-</a:theme>
 </file>